--- a/R_project.pptx
+++ b/R_project.pptx
@@ -20,6 +20,7 @@
     <p:sldId id="267" r:id="rId14"/>
     <p:sldId id="268" r:id="rId15"/>
     <p:sldId id="269" r:id="rId16"/>
+    <p:sldId id="272" r:id="rId17"/>
   </p:sldIdLst>
   <p:sldSz cx="12192000" cy="6858000"/>
   <p:notesSz cx="6858000" cy="9144000"/>
@@ -18756,6 +18757,150 @@
 </p:sld>
 </file>
 
+<file path=ppt/slides/slide16.xml><?xml version="1.0" encoding="utf-8"?>
+<p:sld xmlns:a="http://schemas.openxmlformats.org/drawingml/2006/main" xmlns:r="http://schemas.openxmlformats.org/officeDocument/2006/relationships" xmlns:p="http://schemas.openxmlformats.org/presentationml/2006/main">
+  <p:cSld>
+    <p:spTree>
+      <p:nvGrpSpPr>
+        <p:cNvPr id="1" name=""/>
+        <p:cNvGrpSpPr/>
+        <p:nvPr/>
+      </p:nvGrpSpPr>
+      <p:grpSpPr>
+        <a:xfrm>
+          <a:off x="0" y="0"/>
+          <a:ext cx="0" cy="0"/>
+          <a:chOff x="0" y="0"/>
+          <a:chExt cx="0" cy="0"/>
+        </a:xfrm>
+      </p:grpSpPr>
+      <p:sp>
+        <p:nvSpPr>
+          <p:cNvPr id="3" name="Content Placeholder 2">
+            <a:extLst>
+              <a:ext uri="{FF2B5EF4-FFF2-40B4-BE49-F238E27FC236}">
+                <a16:creationId xmlns:a16="http://schemas.microsoft.com/office/drawing/2014/main" id="{93B19908-E0ED-F841-8F89-93ABDF716281}"/>
+              </a:ext>
+            </a:extLst>
+          </p:cNvPr>
+          <p:cNvSpPr>
+            <a:spLocks noGrp="1"/>
+          </p:cNvSpPr>
+          <p:nvPr>
+            <p:ph idx="1"/>
+          </p:nvPr>
+        </p:nvSpPr>
+        <p:spPr>
+          <a:xfrm>
+            <a:off x="691079" y="778475"/>
+            <a:ext cx="10325000" cy="5126091"/>
+          </a:xfrm>
+        </p:spPr>
+        <p:txBody>
+          <a:bodyPr/>
+          <a:lstStyle/>
+          <a:p>
+            <a:r>
+              <a:rPr lang="en-US" b="1" dirty="0"/>
+              <a:t>Sources: </a:t>
+            </a:r>
+          </a:p>
+          <a:p>
+            <a:r>
+              <a:rPr lang="en-US" dirty="0"/>
+              <a:t>Dataset: </a:t>
+            </a:r>
+            <a:r>
+              <a:rPr lang="en-US" dirty="0" err="1"/>
+              <a:t>Crippa</a:t>
+            </a:r>
+            <a:r>
+              <a:rPr lang="en-US" dirty="0"/>
+              <a:t>, M., </a:t>
+            </a:r>
+            <a:r>
+              <a:rPr lang="en-US" dirty="0" err="1"/>
+              <a:t>Solazzo</a:t>
+            </a:r>
+            <a:r>
+              <a:rPr lang="en-US" dirty="0"/>
+              <a:t>, E., </a:t>
+            </a:r>
+            <a:r>
+              <a:rPr lang="en-US" dirty="0" err="1"/>
+              <a:t>Guizzardi</a:t>
+            </a:r>
+            <a:r>
+              <a:rPr lang="en-US" dirty="0"/>
+              <a:t>, D., </a:t>
+            </a:r>
+            <a:r>
+              <a:rPr lang="en-US" dirty="0" err="1"/>
+              <a:t>Monforti-Ferrario</a:t>
+            </a:r>
+            <a:r>
+              <a:rPr lang="en-US" dirty="0"/>
+              <a:t>, F., </a:t>
+            </a:r>
+            <a:r>
+              <a:rPr lang="en-US" dirty="0" err="1"/>
+              <a:t>Tubiello</a:t>
+            </a:r>
+            <a:r>
+              <a:rPr lang="en-US" dirty="0"/>
+              <a:t>, F.N. and </a:t>
+            </a:r>
+            <a:r>
+              <a:rPr lang="en-US" dirty="0" err="1"/>
+              <a:t>Leip</a:t>
+            </a:r>
+            <a:r>
+              <a:rPr lang="en-US" dirty="0"/>
+              <a:t>, A. EDGAR-FOOD data. </a:t>
+            </a:r>
+            <a:r>
+              <a:rPr lang="en-US" dirty="0" err="1"/>
+              <a:t>Figshare</a:t>
+            </a:r>
+            <a:r>
+              <a:rPr lang="en-US" dirty="0"/>
+              <a:t>, </a:t>
+            </a:r>
+            <a:r>
+              <a:rPr lang="en-US" dirty="0">
+                <a:hlinkClick r:id="rId2"/>
+              </a:rPr>
+              <a:t>doi:10.6084/m9.figshare.13476666</a:t>
+            </a:r>
+            <a:r>
+              <a:rPr lang="en-US" dirty="0"/>
+              <a:t> (2021).</a:t>
+            </a:r>
+          </a:p>
+          <a:p>
+            <a:endParaRPr lang="en-US" dirty="0"/>
+          </a:p>
+          <a:p>
+            <a:pPr marL="0" indent="0">
+              <a:buNone/>
+            </a:pPr>
+            <a:endParaRPr lang="en-US" dirty="0"/>
+          </a:p>
+        </p:txBody>
+      </p:sp>
+    </p:spTree>
+    <p:extLst>
+      <p:ext uri="{BB962C8B-B14F-4D97-AF65-F5344CB8AC3E}">
+        <p14:creationId xmlns:p14="http://schemas.microsoft.com/office/powerpoint/2010/main" val="3734368406"/>
+      </p:ext>
+    </p:extLst>
+  </p:cSld>
+  <p:clrMapOvr>
+    <a:masterClrMapping/>
+  </p:clrMapOvr>
+</p:sld>
+</file>
+
 <file path=ppt/slides/slide2.xml><?xml version="1.0" encoding="utf-8"?>
 <p:sld xmlns:a="http://schemas.openxmlformats.org/drawingml/2006/main" xmlns:r="http://schemas.openxmlformats.org/officeDocument/2006/relationships" xmlns:p="http://schemas.openxmlformats.org/presentationml/2006/main">
   <p:cSld>

--- a/R_project.pptx
+++ b/R_project.pptx
@@ -19,8 +19,9 @@
     <p:sldId id="271" r:id="rId13"/>
     <p:sldId id="267" r:id="rId14"/>
     <p:sldId id="268" r:id="rId15"/>
-    <p:sldId id="269" r:id="rId16"/>
-    <p:sldId id="272" r:id="rId17"/>
+    <p:sldId id="274" r:id="rId16"/>
+    <p:sldId id="273" r:id="rId17"/>
+    <p:sldId id="272" r:id="rId18"/>
   </p:sldIdLst>
   <p:sldSz cx="12192000" cy="6858000"/>
   <p:notesSz cx="6858000" cy="9144000"/>
@@ -18697,10 +18698,45 @@
       </p:grpSpPr>
       <p:sp>
         <p:nvSpPr>
+          <p:cNvPr id="2" name="Title 1">
+            <a:extLst>
+              <a:ext uri="{FF2B5EF4-FFF2-40B4-BE49-F238E27FC236}">
+                <a16:creationId xmlns:a16="http://schemas.microsoft.com/office/drawing/2014/main" id="{CD4186C7-A223-B846-9E6D-424777CE58A9}"/>
+              </a:ext>
+            </a:extLst>
+          </p:cNvPr>
+          <p:cNvSpPr>
+            <a:spLocks noGrp="1"/>
+          </p:cNvSpPr>
+          <p:nvPr>
+            <p:ph type="title"/>
+          </p:nvPr>
+        </p:nvSpPr>
+        <p:spPr>
+          <a:xfrm>
+            <a:off x="691079" y="725952"/>
+            <a:ext cx="10325000" cy="1018766"/>
+          </a:xfrm>
+        </p:spPr>
+        <p:txBody>
+          <a:bodyPr>
+            <a:normAutofit/>
+          </a:bodyPr>
+          <a:lstStyle/>
+          <a:p>
+            <a:r>
+              <a:rPr lang="en-US" sz="3200" dirty="0"/>
+              <a:t>Rating Food System Emissions by Country</a:t>
+            </a:r>
+          </a:p>
+        </p:txBody>
+      </p:sp>
+      <p:sp>
+        <p:nvSpPr>
           <p:cNvPr id="3" name="Content Placeholder 2">
             <a:extLst>
               <a:ext uri="{FF2B5EF4-FFF2-40B4-BE49-F238E27FC236}">
-                <a16:creationId xmlns:a16="http://schemas.microsoft.com/office/drawing/2014/main" id="{E693EC52-E435-A644-A408-54B08F57E395}"/>
+                <a16:creationId xmlns:a16="http://schemas.microsoft.com/office/drawing/2014/main" id="{23C76EFB-0011-FD43-847F-92BC69DEF748}"/>
               </a:ext>
             </a:extLst>
           </p:cNvPr>
@@ -18711,35 +18747,46 @@
             <p:ph idx="1"/>
           </p:nvPr>
         </p:nvSpPr>
-        <p:spPr/>
+        <p:spPr>
+          <a:xfrm>
+            <a:off x="691079" y="2171965"/>
+            <a:ext cx="10325000" cy="3564436"/>
+          </a:xfrm>
+        </p:spPr>
         <p:txBody>
           <a:bodyPr/>
           <a:lstStyle/>
           <a:p>
             <a:r>
               <a:rPr lang="en-US" dirty="0"/>
-              <a:t>file:///Users/</a:t>
+              <a:t>A = &gt;95% -- 19 Countries</a:t>
             </a:r>
-            <a:r>
-              <a:rPr lang="en-US" dirty="0" err="1"/>
-              <a:t>tonypennoyer</a:t>
-            </a:r>
+          </a:p>
+          <a:p>
             <a:r>
               <a:rPr lang="en-US" dirty="0"/>
-              <a:t>/Desktop/</a:t>
+              <a:t>B = ~85%-95% -- 53 Countries</a:t>
             </a:r>
-            <a:r>
-              <a:rPr lang="en-US" dirty="0" err="1"/>
-              <a:t>R_data</a:t>
-            </a:r>
+          </a:p>
+          <a:p>
             <a:r>
               <a:rPr lang="en-US" dirty="0"/>
-              <a:t>/</a:t>
+              <a:t>C = ~50%-85% -- 64 Countries</a:t>
             </a:r>
+          </a:p>
+          <a:p>
             <a:r>
-              <a:rPr lang="en-US" dirty="0" err="1"/>
-              <a:t>Rplot.html</a:t>
+              <a:rPr lang="en-US" dirty="0"/>
+              <a:t>D = ~25%-%50 –- 34 Countries</a:t>
             </a:r>
+          </a:p>
+          <a:p>
+            <a:r>
+              <a:rPr lang="en-US" dirty="0"/>
+              <a:t>F = &lt;25% -- 9 Countries</a:t>
+            </a:r>
+          </a:p>
+          <a:p>
             <a:endParaRPr lang="en-US" dirty="0"/>
           </a:p>
         </p:txBody>
@@ -18747,7 +18794,7 @@
     </p:spTree>
     <p:extLst>
       <p:ext uri="{BB962C8B-B14F-4D97-AF65-F5344CB8AC3E}">
-        <p14:creationId xmlns:p14="http://schemas.microsoft.com/office/powerpoint/2010/main" val="3255126115"/>
+        <p14:creationId xmlns:p14="http://schemas.microsoft.com/office/powerpoint/2010/main" val="2940037261"/>
       </p:ext>
     </p:extLst>
   </p:cSld>
@@ -18758,6 +18805,170 @@
 </file>
 
 <file path=ppt/slides/slide16.xml><?xml version="1.0" encoding="utf-8"?>
+<p:sld xmlns:a="http://schemas.openxmlformats.org/drawingml/2006/main" xmlns:r="http://schemas.openxmlformats.org/officeDocument/2006/relationships" xmlns:p="http://schemas.openxmlformats.org/presentationml/2006/main">
+  <p:cSld>
+    <p:spTree>
+      <p:nvGrpSpPr>
+        <p:cNvPr id="1" name=""/>
+        <p:cNvGrpSpPr/>
+        <p:nvPr/>
+      </p:nvGrpSpPr>
+      <p:grpSpPr>
+        <a:xfrm>
+          <a:off x="0" y="0"/>
+          <a:ext cx="0" cy="0"/>
+          <a:chOff x="0" y="0"/>
+          <a:chExt cx="0" cy="0"/>
+        </a:xfrm>
+      </p:grpSpPr>
+      <p:sp>
+        <p:nvSpPr>
+          <p:cNvPr id="2" name="Title 1">
+            <a:extLst>
+              <a:ext uri="{FF2B5EF4-FFF2-40B4-BE49-F238E27FC236}">
+                <a16:creationId xmlns:a16="http://schemas.microsoft.com/office/drawing/2014/main" id="{8D6CE53F-A795-6549-B43A-2C775569CB1A}"/>
+              </a:ext>
+            </a:extLst>
+          </p:cNvPr>
+          <p:cNvSpPr>
+            <a:spLocks noGrp="1"/>
+          </p:cNvSpPr>
+          <p:nvPr>
+            <p:ph type="title"/>
+          </p:nvPr>
+        </p:nvSpPr>
+        <p:spPr>
+          <a:xfrm>
+            <a:off x="691079" y="725952"/>
+            <a:ext cx="10325000" cy="829580"/>
+          </a:xfrm>
+        </p:spPr>
+        <p:txBody>
+          <a:bodyPr/>
+          <a:lstStyle/>
+          <a:p>
+            <a:r>
+              <a:rPr lang="en-US" dirty="0"/>
+              <a:t>Going Forward</a:t>
+            </a:r>
+          </a:p>
+        </p:txBody>
+      </p:sp>
+      <p:sp>
+        <p:nvSpPr>
+          <p:cNvPr id="3" name="Content Placeholder 2">
+            <a:extLst>
+              <a:ext uri="{FF2B5EF4-FFF2-40B4-BE49-F238E27FC236}">
+                <a16:creationId xmlns:a16="http://schemas.microsoft.com/office/drawing/2014/main" id="{12C2DD68-BA2B-9242-9A52-E408201315EC}"/>
+              </a:ext>
+            </a:extLst>
+          </p:cNvPr>
+          <p:cNvSpPr>
+            <a:spLocks noGrp="1"/>
+          </p:cNvSpPr>
+          <p:nvPr>
+            <p:ph idx="1"/>
+          </p:nvPr>
+        </p:nvSpPr>
+        <p:spPr>
+          <a:xfrm>
+            <a:off x="691079" y="1744717"/>
+            <a:ext cx="10325000" cy="4159850"/>
+          </a:xfrm>
+        </p:spPr>
+        <p:txBody>
+          <a:bodyPr/>
+          <a:lstStyle/>
+          <a:p>
+            <a:r>
+              <a:rPr lang="en-US" dirty="0"/>
+              <a:t>I would like to include more parameters in my interactive map and implement that into a Shiny Dashboard.</a:t>
+            </a:r>
+          </a:p>
+          <a:p>
+            <a:r>
+              <a:rPr lang="en-US" dirty="0"/>
+              <a:t>Some more things I’d like to take into account are:</a:t>
+            </a:r>
+          </a:p>
+          <a:p>
+            <a:pPr lvl="1"/>
+            <a:r>
+              <a:rPr lang="en-US" b="1" dirty="0"/>
+              <a:t>Region</a:t>
+            </a:r>
+            <a:r>
+              <a:rPr lang="en-US" dirty="0"/>
+              <a:t> (i.e., Europe &amp; Central Asia, Middle East &amp; North Africa, Sub-Saharan Africa)</a:t>
+            </a:r>
+          </a:p>
+          <a:p>
+            <a:pPr lvl="1"/>
+            <a:r>
+              <a:rPr lang="en-US" b="1" dirty="0"/>
+              <a:t>Income Group </a:t>
+            </a:r>
+            <a:r>
+              <a:rPr lang="en-US" dirty="0"/>
+              <a:t>(i.e., High income, Upper middle income, Lower middle income, Low income)</a:t>
+            </a:r>
+          </a:p>
+          <a:p>
+            <a:pPr lvl="1"/>
+            <a:r>
+              <a:rPr lang="en-US" b="1" dirty="0"/>
+              <a:t>Industrialized or Developing</a:t>
+            </a:r>
+          </a:p>
+          <a:p>
+            <a:pPr marL="228600" lvl="1" indent="0">
+              <a:buNone/>
+            </a:pPr>
+            <a:r>
+              <a:rPr lang="en-US" dirty="0"/>
+              <a:t> </a:t>
+            </a:r>
+          </a:p>
+          <a:p>
+            <a:pPr lvl="1"/>
+            <a:endParaRPr lang="en-US" dirty="0"/>
+          </a:p>
+          <a:p>
+            <a:pPr lvl="1"/>
+            <a:endParaRPr lang="en-US" dirty="0"/>
+          </a:p>
+          <a:p>
+            <a:pPr lvl="1"/>
+            <a:endParaRPr lang="en-US" dirty="0"/>
+          </a:p>
+          <a:p>
+            <a:pPr lvl="1"/>
+            <a:endParaRPr lang="en-US" dirty="0"/>
+          </a:p>
+          <a:p>
+            <a:pPr lvl="1"/>
+            <a:endParaRPr lang="en-US" dirty="0"/>
+          </a:p>
+          <a:p>
+            <a:pPr lvl="1"/>
+            <a:endParaRPr lang="en-US" dirty="0"/>
+          </a:p>
+        </p:txBody>
+      </p:sp>
+    </p:spTree>
+    <p:extLst>
+      <p:ext uri="{BB962C8B-B14F-4D97-AF65-F5344CB8AC3E}">
+        <p14:creationId xmlns:p14="http://schemas.microsoft.com/office/powerpoint/2010/main" val="4226875096"/>
+      </p:ext>
+    </p:extLst>
+  </p:cSld>
+  <p:clrMapOvr>
+    <a:masterClrMapping/>
+  </p:clrMapOvr>
+</p:sld>
+</file>
+
+<file path=ppt/slides/slide17.xml><?xml version="1.0" encoding="utf-8"?>
 <p:sld xmlns:a="http://schemas.openxmlformats.org/drawingml/2006/main" xmlns:r="http://schemas.openxmlformats.org/officeDocument/2006/relationships" xmlns:p="http://schemas.openxmlformats.org/presentationml/2006/main">
   <p:cSld>
     <p:spTree>
@@ -18875,6 +19086,41 @@
             <a:r>
               <a:rPr lang="en-US" dirty="0"/>
               <a:t> (2021).</a:t>
+            </a:r>
+          </a:p>
+          <a:p>
+            <a:r>
+              <a:rPr lang="en-US" dirty="0"/>
+              <a:t>UN World Population Data: </a:t>
+            </a:r>
+            <a:r>
+              <a:rPr lang="en-US" dirty="0">
+                <a:hlinkClick r:id="rId3"/>
+              </a:rPr>
+              <a:t>https://population.un.org/wpp/Download/Archive/Standard/</a:t>
+            </a:r>
+            <a:endParaRPr lang="en-US" dirty="0"/>
+          </a:p>
+          <a:p>
+            <a:r>
+              <a:rPr lang="en-US" dirty="0" err="1"/>
+              <a:t>Wiston</a:t>
+            </a:r>
+            <a:r>
+              <a:rPr lang="en-US" dirty="0"/>
+              <a:t> M. Status of Air Pollution in Botswana and Significance to Air Quality and Human Health. </a:t>
+            </a:r>
+            <a:r>
+              <a:rPr lang="en-US" i="1" dirty="0"/>
+              <a:t>J Health </a:t>
+            </a:r>
+            <a:r>
+              <a:rPr lang="en-US" i="1" dirty="0" err="1"/>
+              <a:t>Pollut</a:t>
+            </a:r>
+            <a:r>
+              <a:rPr lang="en-US" dirty="0"/>
+              <a:t>. 2017;7(15):8-17. Published 2017 Sep 7. doi:10.5696/2156-9614-7.15.8</a:t>
             </a:r>
           </a:p>
           <a:p>
